--- a/docu/media/src/UI_sample.pptx
+++ b/docu/media/src/UI_sample.pptx
@@ -104,6 +104,11 @@
       </a:defRPr>
     </a:lvl9pPr>
   </p:defaultTextStyle>
+  <p:extLst>
+    <p:ext uri="{EFAFB233-063F-42B5-8137-9DF3F51BA10A}">
+      <p15:sldGuideLst xmlns:p15="http://schemas.microsoft.com/office/powerpoint/2012/main"/>
+    </p:ext>
+  </p:extLst>
 </p:presentation>
 </file>
 
@@ -254,7 +259,7 @@
           <a:p>
             <a:fld id="{87CF5CBC-48B6-4287-A5E9-3C9272B842DC}" type="datetimeFigureOut">
               <a:rPr lang="de-DE" smtClean="0"/>
-              <a:t>30.01.2024</a:t>
+              <a:t>19.07.2024</a:t>
             </a:fld>
             <a:endParaRPr lang="de-DE"/>
           </a:p>
@@ -452,7 +457,7 @@
           <a:p>
             <a:fld id="{87CF5CBC-48B6-4287-A5E9-3C9272B842DC}" type="datetimeFigureOut">
               <a:rPr lang="de-DE" smtClean="0"/>
-              <a:t>30.01.2024</a:t>
+              <a:t>19.07.2024</a:t>
             </a:fld>
             <a:endParaRPr lang="de-DE"/>
           </a:p>
@@ -660,7 +665,7 @@
           <a:p>
             <a:fld id="{87CF5CBC-48B6-4287-A5E9-3C9272B842DC}" type="datetimeFigureOut">
               <a:rPr lang="de-DE" smtClean="0"/>
-              <a:t>30.01.2024</a:t>
+              <a:t>19.07.2024</a:t>
             </a:fld>
             <a:endParaRPr lang="de-DE"/>
           </a:p>
@@ -858,7 +863,7 @@
           <a:p>
             <a:fld id="{87CF5CBC-48B6-4287-A5E9-3C9272B842DC}" type="datetimeFigureOut">
               <a:rPr lang="de-DE" smtClean="0"/>
-              <a:t>30.01.2024</a:t>
+              <a:t>19.07.2024</a:t>
             </a:fld>
             <a:endParaRPr lang="de-DE"/>
           </a:p>
@@ -1133,7 +1138,7 @@
           <a:p>
             <a:fld id="{87CF5CBC-48B6-4287-A5E9-3C9272B842DC}" type="datetimeFigureOut">
               <a:rPr lang="de-DE" smtClean="0"/>
-              <a:t>30.01.2024</a:t>
+              <a:t>19.07.2024</a:t>
             </a:fld>
             <a:endParaRPr lang="de-DE"/>
           </a:p>
@@ -1398,7 +1403,7 @@
           <a:p>
             <a:fld id="{87CF5CBC-48B6-4287-A5E9-3C9272B842DC}" type="datetimeFigureOut">
               <a:rPr lang="de-DE" smtClean="0"/>
-              <a:t>30.01.2024</a:t>
+              <a:t>19.07.2024</a:t>
             </a:fld>
             <a:endParaRPr lang="de-DE"/>
           </a:p>
@@ -1810,7 +1815,7 @@
           <a:p>
             <a:fld id="{87CF5CBC-48B6-4287-A5E9-3C9272B842DC}" type="datetimeFigureOut">
               <a:rPr lang="de-DE" smtClean="0"/>
-              <a:t>30.01.2024</a:t>
+              <a:t>19.07.2024</a:t>
             </a:fld>
             <a:endParaRPr lang="de-DE"/>
           </a:p>
@@ -1951,7 +1956,7 @@
           <a:p>
             <a:fld id="{87CF5CBC-48B6-4287-A5E9-3C9272B842DC}" type="datetimeFigureOut">
               <a:rPr lang="de-DE" smtClean="0"/>
-              <a:t>30.01.2024</a:t>
+              <a:t>19.07.2024</a:t>
             </a:fld>
             <a:endParaRPr lang="de-DE"/>
           </a:p>
@@ -2064,7 +2069,7 @@
           <a:p>
             <a:fld id="{87CF5CBC-48B6-4287-A5E9-3C9272B842DC}" type="datetimeFigureOut">
               <a:rPr lang="de-DE" smtClean="0"/>
-              <a:t>30.01.2024</a:t>
+              <a:t>19.07.2024</a:t>
             </a:fld>
             <a:endParaRPr lang="de-DE"/>
           </a:p>
@@ -2375,7 +2380,7 @@
           <a:p>
             <a:fld id="{87CF5CBC-48B6-4287-A5E9-3C9272B842DC}" type="datetimeFigureOut">
               <a:rPr lang="de-DE" smtClean="0"/>
-              <a:t>30.01.2024</a:t>
+              <a:t>19.07.2024</a:t>
             </a:fld>
             <a:endParaRPr lang="de-DE"/>
           </a:p>
@@ -2663,7 +2668,7 @@
           <a:p>
             <a:fld id="{87CF5CBC-48B6-4287-A5E9-3C9272B842DC}" type="datetimeFigureOut">
               <a:rPr lang="de-DE" smtClean="0"/>
-              <a:t>30.01.2024</a:t>
+              <a:t>19.07.2024</a:t>
             </a:fld>
             <a:endParaRPr lang="de-DE"/>
           </a:p>
@@ -2904,7 +2909,7 @@
           <a:p>
             <a:fld id="{87CF5CBC-48B6-4287-A5E9-3C9272B842DC}" type="datetimeFigureOut">
               <a:rPr lang="de-DE" smtClean="0"/>
-              <a:t>30.01.2024</a:t>
+              <a:t>19.07.2024</a:t>
             </a:fld>
             <a:endParaRPr lang="de-DE"/>
           </a:p>
@@ -3323,10 +3328,10 @@
       </p:grpSpPr>
       <p:pic>
         <p:nvPicPr>
-          <p:cNvPr id="6" name="Grafik 5" descr="Ein Bild, das Text, Screenshot, Software, Zahl enthält.&#10;&#10;Automatisch generierte Beschreibung">
-            <a:extLst>
-              <a:ext uri="{FF2B5EF4-FFF2-40B4-BE49-F238E27FC236}">
-                <a16:creationId xmlns:a16="http://schemas.microsoft.com/office/drawing/2014/main" id="{CADB7153-7FAB-76FB-152F-2F1231FE16F9}"/>
+          <p:cNvPr id="5" name="Grafik 4">
+            <a:extLst>
+              <a:ext uri="{FF2B5EF4-FFF2-40B4-BE49-F238E27FC236}">
+                <a16:creationId xmlns:a16="http://schemas.microsoft.com/office/drawing/2014/main" id="{15BC2AAC-AEDA-242A-9BF0-F8CC68A09CA2}"/>
               </a:ext>
             </a:extLst>
           </p:cNvPr>
@@ -3336,21 +3341,15 @@
           <p:nvPr/>
         </p:nvPicPr>
         <p:blipFill>
-          <a:blip r:embed="rId2">
-            <a:extLst>
-              <a:ext uri="{28A0092B-C50C-407E-A947-70E740481C1C}">
-                <a14:useLocalDpi xmlns:a14="http://schemas.microsoft.com/office/drawing/2010/main" val="0"/>
-              </a:ext>
-            </a:extLst>
-          </a:blip>
+          <a:blip r:embed="rId2"/>
           <a:stretch>
             <a:fillRect/>
           </a:stretch>
         </p:blipFill>
         <p:spPr>
           <a:xfrm>
-            <a:off x="2896351" y="443325"/>
-            <a:ext cx="6399289" cy="5971349"/>
+            <a:off x="0" y="352116"/>
+            <a:ext cx="12192000" cy="5616871"/>
           </a:xfrm>
           <a:prstGeom prst="rect">
             <a:avLst/>
@@ -3371,7 +3370,7 @@
         </p:nvSpPr>
         <p:spPr>
           <a:xfrm>
-            <a:off x="2790282" y="1319903"/>
+            <a:off x="1286877" y="1575360"/>
             <a:ext cx="3305713" cy="1015663"/>
           </a:xfrm>
           <a:prstGeom prst="rect">
@@ -3446,7 +3445,7 @@
         </p:nvSpPr>
         <p:spPr>
           <a:xfrm>
-            <a:off x="6095995" y="1319902"/>
+            <a:off x="1460254" y="4176356"/>
             <a:ext cx="3305713" cy="1015663"/>
           </a:xfrm>
           <a:prstGeom prst="rect">
@@ -3509,10 +3508,10 @@
       </p:sp>
       <p:sp>
         <p:nvSpPr>
-          <p:cNvPr id="8" name="Rechteck 7">
-            <a:extLst>
-              <a:ext uri="{FF2B5EF4-FFF2-40B4-BE49-F238E27FC236}">
-                <a16:creationId xmlns:a16="http://schemas.microsoft.com/office/drawing/2014/main" id="{03E12BD4-8065-E755-31D0-9B457AEAB520}"/>
+          <p:cNvPr id="13" name="Rechteck 12">
+            <a:extLst>
+              <a:ext uri="{FF2B5EF4-FFF2-40B4-BE49-F238E27FC236}">
+                <a16:creationId xmlns:a16="http://schemas.microsoft.com/office/drawing/2014/main" id="{221E7838-0D50-84EF-36DB-E9E24E1D9ABC}"/>
               </a:ext>
             </a:extLst>
           </p:cNvPr>
@@ -3521,82 +3520,7 @@
         </p:nvSpPr>
         <p:spPr>
           <a:xfrm>
-            <a:off x="2684214" y="4522436"/>
-            <a:ext cx="3305713" cy="1015663"/>
-          </a:xfrm>
-          <a:prstGeom prst="rect">
-            <a:avLst/>
-          </a:prstGeom>
-          <a:noFill/>
-          <a:scene3d>
-            <a:camera prst="orthographicFront">
-              <a:rot lat="0" lon="0" rev="2700000"/>
-            </a:camera>
-            <a:lightRig rig="threePt" dir="t"/>
-          </a:scene3d>
-        </p:spPr>
-        <p:txBody>
-          <a:bodyPr wrap="none" lIns="91440" tIns="45720" rIns="91440" bIns="45720">
-            <a:spAutoFit/>
-          </a:bodyPr>
-          <a:lstStyle/>
-          <a:p>
-            <a:pPr algn="ctr"/>
-            <a:r>
-              <a:rPr lang="de-DE" sz="6000" dirty="0">
-                <a:ln w="0"/>
-                <a:solidFill>
-                  <a:srgbClr val="FF0000">
-                    <a:alpha val="50000"/>
-                  </a:srgbClr>
-                </a:solidFill>
-                <a:effectLst>
-                  <a:outerShdw blurRad="38100" dist="19050" dir="2700000" algn="tl" rotWithShape="0">
-                    <a:schemeClr val="dk1">
-                      <a:alpha val="40000"/>
-                    </a:schemeClr>
-                  </a:outerShdw>
-                </a:effectLst>
-                <a:latin typeface="Arial" panose="020B0604020202020204" pitchFamily="34" charset="0"/>
-                <a:cs typeface="Arial" panose="020B0604020202020204" pitchFamily="34" charset="0"/>
-              </a:rPr>
-              <a:t>SAMPLE</a:t>
-            </a:r>
-            <a:endParaRPr lang="de-DE" sz="6000" b="0" cap="none" spc="0" dirty="0">
-              <a:ln w="0"/>
-              <a:solidFill>
-                <a:srgbClr val="FF0000">
-                  <a:alpha val="50000"/>
-                </a:srgbClr>
-              </a:solidFill>
-              <a:effectLst>
-                <a:outerShdw blurRad="38100" dist="19050" dir="2700000" algn="tl" rotWithShape="0">
-                  <a:schemeClr val="dk1">
-                    <a:alpha val="40000"/>
-                  </a:schemeClr>
-                </a:outerShdw>
-              </a:effectLst>
-              <a:latin typeface="Arial" panose="020B0604020202020204" pitchFamily="34" charset="0"/>
-              <a:cs typeface="Arial" panose="020B0604020202020204" pitchFamily="34" charset="0"/>
-            </a:endParaRPr>
-          </a:p>
-        </p:txBody>
-      </p:sp>
-      <p:sp>
-        <p:nvSpPr>
-          <p:cNvPr id="9" name="Rechteck 8">
-            <a:extLst>
-              <a:ext uri="{FF2B5EF4-FFF2-40B4-BE49-F238E27FC236}">
-                <a16:creationId xmlns:a16="http://schemas.microsoft.com/office/drawing/2014/main" id="{804F9E8F-59A4-4AF4-B31B-3CA054785D1C}"/>
-              </a:ext>
-            </a:extLst>
-          </p:cNvPr>
-          <p:cNvSpPr/>
-          <p:nvPr/>
-        </p:nvSpPr>
-        <p:spPr>
-          <a:xfrm>
-            <a:off x="5989927" y="4522435"/>
+            <a:off x="7351609" y="1152168"/>
             <a:ext cx="3305713" cy="1015663"/>
           </a:xfrm>
           <a:prstGeom prst="rect">
